--- a/Montpeloisirs F2.pptx
+++ b/Montpeloisirs F2.pptx
@@ -126,7 +126,7 @@
   </p:defaultTextStyle>
   <p:extLst>
     <p:ext uri="{EFAFB233-063F-42B5-8137-9DF3F51BA10A}">
-      <p15:sldGuideLst xmlns:p15="http://schemas.microsoft.com/office/powerpoint/2012/main" xmlns="">
+      <p15:sldGuideLst xmlns="" xmlns:p15="http://schemas.microsoft.com/office/powerpoint/2012/main">
         <p15:guide id="1" orient="horz" pos="2160" userDrawn="1">
           <p15:clr>
             <a:srgbClr val="A4A3A4"/>
@@ -1966,6 +1966,13 @@
         </dgm:presLayoutVars>
       </dgm:prSet>
       <dgm:spPr/>
+      <dgm:t>
+        <a:bodyPr/>
+        <a:lstStyle/>
+        <a:p>
+          <a:endParaRPr lang="fr-FR"/>
+        </a:p>
+      </dgm:t>
     </dgm:pt>
     <dgm:pt modelId="{DAA0CA00-8613-44DF-AA46-46E9D4EE6446}" type="pres">
       <dgm:prSet presAssocID="{96816802-1836-4925-9710-8572251DEA13}" presName="Accent6" presStyleCnt="0"/>
@@ -1982,6 +1989,13 @@
     <dgm:pt modelId="{4ECAAD7D-5CF5-4627-9843-F075D6C2069E}" type="pres">
       <dgm:prSet presAssocID="{96816802-1836-4925-9710-8572251DEA13}" presName="ParentBackground" presStyleLbl="fgAcc1" presStyleIdx="0" presStyleCnt="6"/>
       <dgm:spPr/>
+      <dgm:t>
+        <a:bodyPr/>
+        <a:lstStyle/>
+        <a:p>
+          <a:endParaRPr lang="fr-FR"/>
+        </a:p>
+      </dgm:t>
     </dgm:pt>
     <dgm:pt modelId="{92F57FF7-CBF4-4D40-935B-E1A7A6357B27}" type="pres">
       <dgm:prSet presAssocID="{96816802-1836-4925-9710-8572251DEA13}" presName="Parent6" presStyleLbl="revTx" presStyleIdx="0" presStyleCnt="0">
@@ -1992,6 +2006,13 @@
         </dgm:presLayoutVars>
       </dgm:prSet>
       <dgm:spPr/>
+      <dgm:t>
+        <a:bodyPr/>
+        <a:lstStyle/>
+        <a:p>
+          <a:endParaRPr lang="fr-FR"/>
+        </a:p>
+      </dgm:t>
     </dgm:pt>
     <dgm:pt modelId="{4287C793-6CFC-4A00-A747-773EF9A47A4B}" type="pres">
       <dgm:prSet presAssocID="{3EF2A0B9-89D7-4E61-885D-FF789B2F57D8}" presName="Accent5" presStyleCnt="0"/>
@@ -2008,6 +2029,13 @@
     <dgm:pt modelId="{3F265DB4-20A0-4E42-A96E-C3270353A647}" type="pres">
       <dgm:prSet presAssocID="{3EF2A0B9-89D7-4E61-885D-FF789B2F57D8}" presName="ParentBackground" presStyleLbl="fgAcc1" presStyleIdx="1" presStyleCnt="6"/>
       <dgm:spPr/>
+      <dgm:t>
+        <a:bodyPr/>
+        <a:lstStyle/>
+        <a:p>
+          <a:endParaRPr lang="fr-FR"/>
+        </a:p>
+      </dgm:t>
     </dgm:pt>
     <dgm:pt modelId="{29DDB4D6-C939-4AC9-AEAA-3BE378208CD2}" type="pres">
       <dgm:prSet presAssocID="{3EF2A0B9-89D7-4E61-885D-FF789B2F57D8}" presName="Parent5" presStyleLbl="revTx" presStyleIdx="0" presStyleCnt="0">
@@ -2018,6 +2046,13 @@
         </dgm:presLayoutVars>
       </dgm:prSet>
       <dgm:spPr/>
+      <dgm:t>
+        <a:bodyPr/>
+        <a:lstStyle/>
+        <a:p>
+          <a:endParaRPr lang="fr-FR"/>
+        </a:p>
+      </dgm:t>
     </dgm:pt>
     <dgm:pt modelId="{ED87901A-6AF7-4220-B4C1-D5A5895F6201}" type="pres">
       <dgm:prSet presAssocID="{28173E3F-6A1D-446C-8B5B-F31A4D5853F8}" presName="Accent4" presStyleCnt="0"/>
@@ -2034,6 +2069,13 @@
     <dgm:pt modelId="{8D5A8DAB-5F08-45F5-9278-8101BEAD1D0E}" type="pres">
       <dgm:prSet presAssocID="{28173E3F-6A1D-446C-8B5B-F31A4D5853F8}" presName="ParentBackground" presStyleLbl="fgAcc1" presStyleIdx="2" presStyleCnt="6"/>
       <dgm:spPr/>
+      <dgm:t>
+        <a:bodyPr/>
+        <a:lstStyle/>
+        <a:p>
+          <a:endParaRPr lang="fr-FR"/>
+        </a:p>
+      </dgm:t>
     </dgm:pt>
     <dgm:pt modelId="{A780EC4A-68F4-4485-9E6B-0001E4405567}" type="pres">
       <dgm:prSet presAssocID="{28173E3F-6A1D-446C-8B5B-F31A4D5853F8}" presName="Parent4" presStyleLbl="revTx" presStyleIdx="0" presStyleCnt="0">
@@ -2044,6 +2086,13 @@
         </dgm:presLayoutVars>
       </dgm:prSet>
       <dgm:spPr/>
+      <dgm:t>
+        <a:bodyPr/>
+        <a:lstStyle/>
+        <a:p>
+          <a:endParaRPr lang="fr-FR"/>
+        </a:p>
+      </dgm:t>
     </dgm:pt>
     <dgm:pt modelId="{98B0FDFA-AADB-4171-BAC4-2CFAA991B661}" type="pres">
       <dgm:prSet presAssocID="{073955FC-632F-4812-B1BD-6C175D650ED0}" presName="Accent3" presStyleCnt="0"/>
@@ -2140,6 +2189,13 @@
     <dgm:pt modelId="{DF1D51DB-4B2E-492B-8381-E7B50FB04B8E}" type="pres">
       <dgm:prSet presAssocID="{A3050804-3E01-42EE-955F-3C9DC1573A8E}" presName="ParentBackground" presStyleLbl="fgAcc1" presStyleIdx="5" presStyleCnt="6"/>
       <dgm:spPr/>
+      <dgm:t>
+        <a:bodyPr/>
+        <a:lstStyle/>
+        <a:p>
+          <a:endParaRPr lang="fr-FR"/>
+        </a:p>
+      </dgm:t>
     </dgm:pt>
     <dgm:pt modelId="{B415FD8D-FC80-4840-A118-8528C9353CC5}" type="pres">
       <dgm:prSet presAssocID="{A3050804-3E01-42EE-955F-3C9DC1573A8E}" presName="Parent1" presStyleLbl="revTx" presStyleIdx="0" presStyleCnt="0">
@@ -2150,28 +2206,35 @@
         </dgm:presLayoutVars>
       </dgm:prSet>
       <dgm:spPr/>
+      <dgm:t>
+        <a:bodyPr/>
+        <a:lstStyle/>
+        <a:p>
+          <a:endParaRPr lang="fr-FR"/>
+        </a:p>
+      </dgm:t>
     </dgm:pt>
   </dgm:ptLst>
   <dgm:cxnLst>
+    <dgm:cxn modelId="{6933891E-545E-4DD8-8D77-F1FE94130F0A}" type="presOf" srcId="{A3050804-3E01-42EE-955F-3C9DC1573A8E}" destId="{B415FD8D-FC80-4840-A118-8528C9353CC5}" srcOrd="1" destOrd="0" presId="urn:microsoft.com/office/officeart/2011/layout/CircleProcess"/>
+    <dgm:cxn modelId="{419C5064-E09A-4865-B371-03D05B57AACA}" srcId="{550CA862-AC53-4110-8392-35E575068693}" destId="{96816802-1836-4925-9710-8572251DEA13}" srcOrd="5" destOrd="0" parTransId="{42183246-47CF-4683-8BB6-D500E1E0E022}" sibTransId="{2D401C0B-DF0F-461C-BA9C-8A6C02135306}"/>
+    <dgm:cxn modelId="{17AE3443-A245-469E-A8E0-C2174FE08200}" srcId="{550CA862-AC53-4110-8392-35E575068693}" destId="{073955FC-632F-4812-B1BD-6C175D650ED0}" srcOrd="2" destOrd="0" parTransId="{6F387410-9FE7-4696-8282-F6852D8B6218}" sibTransId="{0E4F1D46-6626-4F33-B757-B3B7AAF42A15}"/>
+    <dgm:cxn modelId="{FC984FFF-629F-4B21-8428-366D248BB28B}" type="presOf" srcId="{A3050804-3E01-42EE-955F-3C9DC1573A8E}" destId="{DF1D51DB-4B2E-492B-8381-E7B50FB04B8E}" srcOrd="0" destOrd="0" presId="urn:microsoft.com/office/officeart/2011/layout/CircleProcess"/>
+    <dgm:cxn modelId="{EB5995E0-4B42-401C-874A-1D129F6517B7}" type="presOf" srcId="{3EF2A0B9-89D7-4E61-885D-FF789B2F57D8}" destId="{3F265DB4-20A0-4E42-A96E-C3270353A647}" srcOrd="0" destOrd="0" presId="urn:microsoft.com/office/officeart/2011/layout/CircleProcess"/>
+    <dgm:cxn modelId="{68A0C186-6C3F-4DC8-9671-292D552E8D43}" type="presOf" srcId="{28173E3F-6A1D-446C-8B5B-F31A4D5853F8}" destId="{8D5A8DAB-5F08-45F5-9278-8101BEAD1D0E}" srcOrd="0" destOrd="0" presId="urn:microsoft.com/office/officeart/2011/layout/CircleProcess"/>
+    <dgm:cxn modelId="{97BEF07C-552F-48B2-B90D-70473CA7AEAC}" srcId="{550CA862-AC53-4110-8392-35E575068693}" destId="{22BAE61A-7E19-4DB7-832E-112FF36CABF7}" srcOrd="1" destOrd="0" parTransId="{52DF409A-4D1E-46AA-AC17-F1636E3AE419}" sibTransId="{D2C872AD-716E-4B15-BD0A-C7C39E728473}"/>
+    <dgm:cxn modelId="{A0938F8C-AC1C-4DAB-B402-CFCFA75A1165}" type="presOf" srcId="{22BAE61A-7E19-4DB7-832E-112FF36CABF7}" destId="{365847F7-B849-4800-8BEE-0E6FF36B43E8}" srcOrd="0" destOrd="0" presId="urn:microsoft.com/office/officeart/2011/layout/CircleProcess"/>
+    <dgm:cxn modelId="{7D714703-D3F8-4E0F-93A6-DF65FFDFD6A4}" type="presOf" srcId="{3EF2A0B9-89D7-4E61-885D-FF789B2F57D8}" destId="{29DDB4D6-C939-4AC9-AEAA-3BE378208CD2}" srcOrd="1" destOrd="0" presId="urn:microsoft.com/office/officeart/2011/layout/CircleProcess"/>
+    <dgm:cxn modelId="{DA52DDFF-3F01-4FFC-A013-C12658B073D3}" type="presOf" srcId="{073955FC-632F-4812-B1BD-6C175D650ED0}" destId="{8EF462EC-8CF1-4F78-9D26-5C144ECE286C}" srcOrd="1" destOrd="0" presId="urn:microsoft.com/office/officeart/2011/layout/CircleProcess"/>
     <dgm:cxn modelId="{BF6B7CA8-3C29-4E6D-A8B3-1B40BC8F9CD4}" srcId="{550CA862-AC53-4110-8392-35E575068693}" destId="{28173E3F-6A1D-446C-8B5B-F31A4D5853F8}" srcOrd="3" destOrd="0" parTransId="{D161744A-EAAD-450E-9F17-30EAE5F5A054}" sibTransId="{E1F9F74C-2823-438E-A85F-09A64CFDBC37}"/>
+    <dgm:cxn modelId="{E28A3751-22A8-44E2-B947-8E7BC29CAE10}" type="presOf" srcId="{073955FC-632F-4812-B1BD-6C175D650ED0}" destId="{AC25A632-A410-42FD-81C6-06F59C2CD6D2}" srcOrd="0" destOrd="0" presId="urn:microsoft.com/office/officeart/2011/layout/CircleProcess"/>
+    <dgm:cxn modelId="{07166E43-69E1-4D42-99A9-F7116CA914C8}" type="presOf" srcId="{22BAE61A-7E19-4DB7-832E-112FF36CABF7}" destId="{C65D6A68-3F87-4B33-9619-1850B4C2A630}" srcOrd="1" destOrd="0" presId="urn:microsoft.com/office/officeart/2011/layout/CircleProcess"/>
     <dgm:cxn modelId="{2B769E28-7CFC-47C2-B498-6324C3086E3B}" srcId="{550CA862-AC53-4110-8392-35E575068693}" destId="{A3050804-3E01-42EE-955F-3C9DC1573A8E}" srcOrd="0" destOrd="0" parTransId="{5D891DF5-2AFD-4F46-B20C-F478C1BAD90C}" sibTransId="{86A45B33-E3A6-445D-891F-A0EFD4049B8D}"/>
-    <dgm:cxn modelId="{FC984FFF-629F-4B21-8428-366D248BB28B}" type="presOf" srcId="{A3050804-3E01-42EE-955F-3C9DC1573A8E}" destId="{DF1D51DB-4B2E-492B-8381-E7B50FB04B8E}" srcOrd="0" destOrd="0" presId="urn:microsoft.com/office/officeart/2011/layout/CircleProcess"/>
     <dgm:cxn modelId="{89355E88-79EB-4CA0-BDC4-A956EA955480}" type="presOf" srcId="{28173E3F-6A1D-446C-8B5B-F31A4D5853F8}" destId="{A780EC4A-68F4-4485-9E6B-0001E4405567}" srcOrd="1" destOrd="0" presId="urn:microsoft.com/office/officeart/2011/layout/CircleProcess"/>
-    <dgm:cxn modelId="{7D714703-D3F8-4E0F-93A6-DF65FFDFD6A4}" type="presOf" srcId="{3EF2A0B9-89D7-4E61-885D-FF789B2F57D8}" destId="{29DDB4D6-C939-4AC9-AEAA-3BE378208CD2}" srcOrd="1" destOrd="0" presId="urn:microsoft.com/office/officeart/2011/layout/CircleProcess"/>
-    <dgm:cxn modelId="{17AE3443-A245-469E-A8E0-C2174FE08200}" srcId="{550CA862-AC53-4110-8392-35E575068693}" destId="{073955FC-632F-4812-B1BD-6C175D650ED0}" srcOrd="2" destOrd="0" parTransId="{6F387410-9FE7-4696-8282-F6852D8B6218}" sibTransId="{0E4F1D46-6626-4F33-B757-B3B7AAF42A15}"/>
-    <dgm:cxn modelId="{DA52DDFF-3F01-4FFC-A013-C12658B073D3}" type="presOf" srcId="{073955FC-632F-4812-B1BD-6C175D650ED0}" destId="{8EF462EC-8CF1-4F78-9D26-5C144ECE286C}" srcOrd="1" destOrd="0" presId="urn:microsoft.com/office/officeart/2011/layout/CircleProcess"/>
-    <dgm:cxn modelId="{A0938F8C-AC1C-4DAB-B402-CFCFA75A1165}" type="presOf" srcId="{22BAE61A-7E19-4DB7-832E-112FF36CABF7}" destId="{365847F7-B849-4800-8BEE-0E6FF36B43E8}" srcOrd="0" destOrd="0" presId="urn:microsoft.com/office/officeart/2011/layout/CircleProcess"/>
+    <dgm:cxn modelId="{83936810-2966-4A8B-A41D-8668D8D670BF}" srcId="{550CA862-AC53-4110-8392-35E575068693}" destId="{3EF2A0B9-89D7-4E61-885D-FF789B2F57D8}" srcOrd="4" destOrd="0" parTransId="{09891E07-1125-47A0-AEDE-BD11FD56252E}" sibTransId="{A3B9ADF2-A7C3-4005-A1CA-242D5418FFD6}"/>
+    <dgm:cxn modelId="{CB8C991B-CBE0-456E-BC9B-9019731437D0}" type="presOf" srcId="{96816802-1836-4925-9710-8572251DEA13}" destId="{4ECAAD7D-5CF5-4627-9843-F075D6C2069E}" srcOrd="0" destOrd="0" presId="urn:microsoft.com/office/officeart/2011/layout/CircleProcess"/>
     <dgm:cxn modelId="{F2C1E3E8-47E6-431F-8685-8AD8A55CB82D}" type="presOf" srcId="{96816802-1836-4925-9710-8572251DEA13}" destId="{92F57FF7-CBF4-4D40-935B-E1A7A6357B27}" srcOrd="1" destOrd="0" presId="urn:microsoft.com/office/officeart/2011/layout/CircleProcess"/>
-    <dgm:cxn modelId="{07166E43-69E1-4D42-99A9-F7116CA914C8}" type="presOf" srcId="{22BAE61A-7E19-4DB7-832E-112FF36CABF7}" destId="{C65D6A68-3F87-4B33-9619-1850B4C2A630}" srcOrd="1" destOrd="0" presId="urn:microsoft.com/office/officeart/2011/layout/CircleProcess"/>
     <dgm:cxn modelId="{3AEFE310-2A3C-458B-A554-FA6E0128A849}" type="presOf" srcId="{550CA862-AC53-4110-8392-35E575068693}" destId="{A3906C91-E7EE-4BA8-AC85-E6CBE1B0B937}" srcOrd="0" destOrd="0" presId="urn:microsoft.com/office/officeart/2011/layout/CircleProcess"/>
-    <dgm:cxn modelId="{EB5995E0-4B42-401C-874A-1D129F6517B7}" type="presOf" srcId="{3EF2A0B9-89D7-4E61-885D-FF789B2F57D8}" destId="{3F265DB4-20A0-4E42-A96E-C3270353A647}" srcOrd="0" destOrd="0" presId="urn:microsoft.com/office/officeart/2011/layout/CircleProcess"/>
-    <dgm:cxn modelId="{83936810-2966-4A8B-A41D-8668D8D670BF}" srcId="{550CA862-AC53-4110-8392-35E575068693}" destId="{3EF2A0B9-89D7-4E61-885D-FF789B2F57D8}" srcOrd="4" destOrd="0" parTransId="{09891E07-1125-47A0-AEDE-BD11FD56252E}" sibTransId="{A3B9ADF2-A7C3-4005-A1CA-242D5418FFD6}"/>
-    <dgm:cxn modelId="{97BEF07C-552F-48B2-B90D-70473CA7AEAC}" srcId="{550CA862-AC53-4110-8392-35E575068693}" destId="{22BAE61A-7E19-4DB7-832E-112FF36CABF7}" srcOrd="1" destOrd="0" parTransId="{52DF409A-4D1E-46AA-AC17-F1636E3AE419}" sibTransId="{D2C872AD-716E-4B15-BD0A-C7C39E728473}"/>
-    <dgm:cxn modelId="{6933891E-545E-4DD8-8D77-F1FE94130F0A}" type="presOf" srcId="{A3050804-3E01-42EE-955F-3C9DC1573A8E}" destId="{B415FD8D-FC80-4840-A118-8528C9353CC5}" srcOrd="1" destOrd="0" presId="urn:microsoft.com/office/officeart/2011/layout/CircleProcess"/>
-    <dgm:cxn modelId="{E28A3751-22A8-44E2-B947-8E7BC29CAE10}" type="presOf" srcId="{073955FC-632F-4812-B1BD-6C175D650ED0}" destId="{AC25A632-A410-42FD-81C6-06F59C2CD6D2}" srcOrd="0" destOrd="0" presId="urn:microsoft.com/office/officeart/2011/layout/CircleProcess"/>
-    <dgm:cxn modelId="{68A0C186-6C3F-4DC8-9671-292D552E8D43}" type="presOf" srcId="{28173E3F-6A1D-446C-8B5B-F31A4D5853F8}" destId="{8D5A8DAB-5F08-45F5-9278-8101BEAD1D0E}" srcOrd="0" destOrd="0" presId="urn:microsoft.com/office/officeart/2011/layout/CircleProcess"/>
-    <dgm:cxn modelId="{419C5064-E09A-4865-B371-03D05B57AACA}" srcId="{550CA862-AC53-4110-8392-35E575068693}" destId="{96816802-1836-4925-9710-8572251DEA13}" srcOrd="5" destOrd="0" parTransId="{42183246-47CF-4683-8BB6-D500E1E0E022}" sibTransId="{2D401C0B-DF0F-461C-BA9C-8A6C02135306}"/>
-    <dgm:cxn modelId="{CB8C991B-CBE0-456E-BC9B-9019731437D0}" type="presOf" srcId="{96816802-1836-4925-9710-8572251DEA13}" destId="{4ECAAD7D-5CF5-4627-9843-F075D6C2069E}" srcOrd="0" destOrd="0" presId="urn:microsoft.com/office/officeart/2011/layout/CircleProcess"/>
     <dgm:cxn modelId="{E800F7EC-0F76-4B33-A968-CB27BCF6F838}" type="presParOf" srcId="{A3906C91-E7EE-4BA8-AC85-E6CBE1B0B937}" destId="{DAA0CA00-8613-44DF-AA46-46E9D4EE6446}" srcOrd="0" destOrd="0" presId="urn:microsoft.com/office/officeart/2011/layout/CircleProcess"/>
     <dgm:cxn modelId="{BFCD9B7C-BB5B-4761-B982-7CE824F1ED3E}" type="presParOf" srcId="{DAA0CA00-8613-44DF-AA46-46E9D4EE6446}" destId="{06E80A8A-835E-4814-98AE-27E51A679DE5}" srcOrd="0" destOrd="0" presId="urn:microsoft.com/office/officeart/2011/layout/CircleProcess"/>
     <dgm:cxn modelId="{1AA660C4-F599-47D8-A8F8-F40B0BB2CD25}" type="presParOf" srcId="{A3906C91-E7EE-4BA8-AC85-E6CBE1B0B937}" destId="{08AC6409-660F-4CBB-809D-2588C7E2B419}" srcOrd="1" destOrd="0" presId="urn:microsoft.com/office/officeart/2011/layout/CircleProcess"/>
@@ -2207,7 +2270,7 @@
   <dgm:whole/>
   <dgm:extLst>
     <a:ext uri="http://schemas.microsoft.com/office/drawing/2008/diagram">
-      <dsp:dataModelExt xmlns:dsp="http://schemas.microsoft.com/office/drawing/2008/diagram" relId="rId6" minVer="http://schemas.openxmlformats.org/drawingml/2006/diagram"/>
+      <dsp:dataModelExt xmlns:dsp="http://schemas.microsoft.com/office/drawing/2008/diagram" xmlns="" relId="rId6" minVer="http://schemas.openxmlformats.org/drawingml/2006/diagram"/>
     </a:ext>
   </dgm:extLst>
 </dgm:dataModel>
@@ -2457,7 +2520,11 @@
         <a:p>
           <a:r>
             <a:rPr lang="fr-FR" dirty="0" smtClean="0"/>
-            <a:t>Statistiques spécialisé</a:t>
+            <a:t>Statistiques </a:t>
+          </a:r>
+          <a:r>
+            <a:rPr lang="fr-FR" dirty="0" smtClean="0"/>
+            <a:t>spécialisées</a:t>
           </a:r>
           <a:endParaRPr lang="fr-FR" dirty="0"/>
         </a:p>
@@ -2494,6 +2561,13 @@
         </dgm:presLayoutVars>
       </dgm:prSet>
       <dgm:spPr/>
+      <dgm:t>
+        <a:bodyPr/>
+        <a:lstStyle/>
+        <a:p>
+          <a:endParaRPr lang="fr-FR"/>
+        </a:p>
+      </dgm:t>
     </dgm:pt>
     <dgm:pt modelId="{CCCB2C61-1661-4F1C-AB1C-6821F96DD82B}" type="pres">
       <dgm:prSet presAssocID="{5560B2C3-5AC1-4E8B-B42E-409D8E52D9B3}" presName="composite" presStyleCnt="0"/>
@@ -2597,18 +2671,18 @@
   <dgm:bg/>
   <dgm:whole/>
   <dgm:extLst>
+    <a:ext uri="{C62137D5-CB1D-491B-B009-E17868A290BF}">
+      <dgm14:recolorImg xmlns:dgm14="http://schemas.microsoft.com/office/drawing/2010/diagram" xmlns="" val="1"/>
+    </a:ext>
     <a:ext uri="http://schemas.microsoft.com/office/drawing/2008/diagram">
-      <dsp:dataModelExt xmlns:dsp="http://schemas.microsoft.com/office/drawing/2008/diagram" relId="rId6" minVer="http://schemas.openxmlformats.org/drawingml/2006/diagram"/>
-    </a:ext>
-    <a:ext uri="{C62137D5-CB1D-491B-B009-E17868A290BF}">
-      <dgm14:recolorImg xmlns:dgm14="http://schemas.microsoft.com/office/drawing/2010/diagram" val="1"/>
+      <dsp:dataModelExt xmlns:dsp="http://schemas.microsoft.com/office/drawing/2008/diagram" xmlns="" relId="rId6" minVer="http://schemas.openxmlformats.org/drawingml/2006/diagram"/>
     </a:ext>
   </dgm:extLst>
 </dgm:dataModel>
 </file>
 
 <file path=ppt/diagrams/drawing1.xml><?xml version="1.0" encoding="utf-8"?>
-<dsp:drawing xmlns:dgm="http://schemas.openxmlformats.org/drawingml/2006/diagram" xmlns:dsp="http://schemas.microsoft.com/office/drawing/2008/diagram" xmlns:a="http://schemas.openxmlformats.org/drawingml/2006/main">
+<dsp:drawing xmlns:dgm="http://schemas.openxmlformats.org/drawingml/2006/diagram" xmlns:a="http://schemas.openxmlformats.org/drawingml/2006/main" xmlns:dsp="http://schemas.microsoft.com/office/drawing/2008/diagram">
   <dsp:spTree>
     <dsp:nvGrpSpPr>
       <dsp:cNvPr id="0" name=""/>
@@ -3440,7 +3514,7 @@
 </file>
 
 <file path=ppt/diagrams/drawing2.xml><?xml version="1.0" encoding="utf-8"?>
-<dsp:drawing xmlns:dgm="http://schemas.openxmlformats.org/drawingml/2006/diagram" xmlns:dsp="http://schemas.microsoft.com/office/drawing/2008/diagram" xmlns:a="http://schemas.openxmlformats.org/drawingml/2006/main">
+<dsp:drawing xmlns:dgm="http://schemas.openxmlformats.org/drawingml/2006/diagram" xmlns:a="http://schemas.openxmlformats.org/drawingml/2006/main" xmlns:dsp="http://schemas.microsoft.com/office/drawing/2008/diagram">
   <dsp:spTree>
     <dsp:nvGrpSpPr>
       <dsp:cNvPr id="0" name=""/>
@@ -3837,7 +3911,11 @@
           </a:pPr>
           <a:r>
             <a:rPr lang="fr-FR" sz="4400" kern="1200" dirty="0" smtClean="0"/>
-            <a:t>Statistiques spécialisé</a:t>
+            <a:t>Statistiques </a:t>
+          </a:r>
+          <a:r>
+            <a:rPr lang="fr-FR" sz="4400" kern="1200" dirty="0" smtClean="0"/>
+            <a:t>spécialisées</a:t>
           </a:r>
           <a:endParaRPr lang="fr-FR" sz="4400" kern="1200" dirty="0"/>
         </a:p>
@@ -10792,7 +10870,7 @@
     </p:spTree>
     <p:extLst>
       <p:ext uri="{BB962C8B-B14F-4D97-AF65-F5344CB8AC3E}">
-        <p14:creationId xmlns:p14="http://schemas.microsoft.com/office/powerpoint/2010/main" val="2895715637"/>
+        <p14:creationId xmlns:p14="http://schemas.microsoft.com/office/powerpoint/2010/main" xmlns="" val="2895715637"/>
       </p:ext>
     </p:extLst>
   </p:cSld>
@@ -11052,7 +11130,7 @@
     </p:spTree>
     <p:extLst>
       <p:ext uri="{BB962C8B-B14F-4D97-AF65-F5344CB8AC3E}">
-        <p14:creationId xmlns:p14="http://schemas.microsoft.com/office/powerpoint/2010/main" val="38359057"/>
+        <p14:creationId xmlns:p14="http://schemas.microsoft.com/office/powerpoint/2010/main" xmlns="" val="38359057"/>
       </p:ext>
     </p:extLst>
   </p:cSld>
@@ -11227,7 +11305,7 @@
     </p:spTree>
     <p:extLst>
       <p:ext uri="{BB962C8B-B14F-4D97-AF65-F5344CB8AC3E}">
-        <p14:creationId xmlns:p14="http://schemas.microsoft.com/office/powerpoint/2010/main" val="2870060369"/>
+        <p14:creationId xmlns:p14="http://schemas.microsoft.com/office/powerpoint/2010/main" xmlns="" val="2870060369"/>
       </p:ext>
     </p:extLst>
   </p:cSld>
@@ -11392,7 +11470,7 @@
     </p:spTree>
     <p:extLst>
       <p:ext uri="{BB962C8B-B14F-4D97-AF65-F5344CB8AC3E}">
-        <p14:creationId xmlns:p14="http://schemas.microsoft.com/office/powerpoint/2010/main" val="423090525"/>
+        <p14:creationId xmlns:p14="http://schemas.microsoft.com/office/powerpoint/2010/main" xmlns="" val="423090525"/>
       </p:ext>
     </p:extLst>
   </p:cSld>
@@ -11575,7 +11653,7 @@
     </p:spTree>
     <p:extLst>
       <p:ext uri="{BB962C8B-B14F-4D97-AF65-F5344CB8AC3E}">
-        <p14:creationId xmlns:p14="http://schemas.microsoft.com/office/powerpoint/2010/main" val="1609938389"/>
+        <p14:creationId xmlns:p14="http://schemas.microsoft.com/office/powerpoint/2010/main" xmlns="" val="1609938389"/>
       </p:ext>
     </p:extLst>
   </p:cSld>
@@ -11768,7 +11846,7 @@
     </p:spTree>
     <p:extLst>
       <p:ext uri="{BB962C8B-B14F-4D97-AF65-F5344CB8AC3E}">
-        <p14:creationId xmlns:p14="http://schemas.microsoft.com/office/powerpoint/2010/main" val="724668094"/>
+        <p14:creationId xmlns:p14="http://schemas.microsoft.com/office/powerpoint/2010/main" xmlns="" val="724668094"/>
       </p:ext>
     </p:extLst>
   </p:cSld>
@@ -11955,7 +12033,7 @@
     </p:spTree>
     <p:extLst>
       <p:ext uri="{BB962C8B-B14F-4D97-AF65-F5344CB8AC3E}">
-        <p14:creationId xmlns:p14="http://schemas.microsoft.com/office/powerpoint/2010/main" val="3521654438"/>
+        <p14:creationId xmlns:p14="http://schemas.microsoft.com/office/powerpoint/2010/main" xmlns="" val="3521654438"/>
       </p:ext>
     </p:extLst>
   </p:cSld>
@@ -12214,7 +12292,7 @@
     </p:spTree>
     <p:extLst>
       <p:ext uri="{BB962C8B-B14F-4D97-AF65-F5344CB8AC3E}">
-        <p14:creationId xmlns:p14="http://schemas.microsoft.com/office/powerpoint/2010/main" val="4061008797"/>
+        <p14:creationId xmlns:p14="http://schemas.microsoft.com/office/powerpoint/2010/main" xmlns="" val="4061008797"/>
       </p:ext>
     </p:extLst>
   </p:cSld>
@@ -12459,7 +12537,7 @@
     </p:spTree>
     <p:extLst>
       <p:ext uri="{BB962C8B-B14F-4D97-AF65-F5344CB8AC3E}">
-        <p14:creationId xmlns:p14="http://schemas.microsoft.com/office/powerpoint/2010/main" val="3859349586"/>
+        <p14:creationId xmlns:p14="http://schemas.microsoft.com/office/powerpoint/2010/main" xmlns="" val="3859349586"/>
       </p:ext>
     </p:extLst>
   </p:cSld>
@@ -12839,7 +12917,7 @@
     </p:spTree>
     <p:extLst>
       <p:ext uri="{BB962C8B-B14F-4D97-AF65-F5344CB8AC3E}">
-        <p14:creationId xmlns:p14="http://schemas.microsoft.com/office/powerpoint/2010/main" val="3258010551"/>
+        <p14:creationId xmlns:p14="http://schemas.microsoft.com/office/powerpoint/2010/main" xmlns="" val="3258010551"/>
       </p:ext>
     </p:extLst>
   </p:cSld>
@@ -12970,7 +13048,7 @@
     </p:spTree>
     <p:extLst>
       <p:ext uri="{BB962C8B-B14F-4D97-AF65-F5344CB8AC3E}">
-        <p14:creationId xmlns:p14="http://schemas.microsoft.com/office/powerpoint/2010/main" val="2206207427"/>
+        <p14:creationId xmlns:p14="http://schemas.microsoft.com/office/powerpoint/2010/main" xmlns="" val="2206207427"/>
       </p:ext>
     </p:extLst>
   </p:cSld>
@@ -13078,7 +13156,7 @@
     </p:spTree>
     <p:extLst>
       <p:ext uri="{BB962C8B-B14F-4D97-AF65-F5344CB8AC3E}">
-        <p14:creationId xmlns:p14="http://schemas.microsoft.com/office/powerpoint/2010/main" val="3397131226"/>
+        <p14:creationId xmlns:p14="http://schemas.microsoft.com/office/powerpoint/2010/main" xmlns="" val="3397131226"/>
       </p:ext>
     </p:extLst>
   </p:cSld>
@@ -13368,7 +13446,7 @@
     </p:spTree>
     <p:extLst>
       <p:ext uri="{BB962C8B-B14F-4D97-AF65-F5344CB8AC3E}">
-        <p14:creationId xmlns:p14="http://schemas.microsoft.com/office/powerpoint/2010/main" val="4229719172"/>
+        <p14:creationId xmlns:p14="http://schemas.microsoft.com/office/powerpoint/2010/main" xmlns="" val="4229719172"/>
       </p:ext>
     </p:extLst>
   </p:cSld>
@@ -13634,7 +13712,7 @@
     </p:spTree>
     <p:extLst>
       <p:ext uri="{BB962C8B-B14F-4D97-AF65-F5344CB8AC3E}">
-        <p14:creationId xmlns:p14="http://schemas.microsoft.com/office/powerpoint/2010/main" val="1677410505"/>
+        <p14:creationId xmlns:p14="http://schemas.microsoft.com/office/powerpoint/2010/main" xmlns="" val="1677410505"/>
       </p:ext>
     </p:extLst>
   </p:cSld>
@@ -13866,7 +13944,7 @@
           <a:blip r:embed="rId13" cstate="print">
             <a:extLst>
               <a:ext uri="{28A0092B-C50C-407E-A947-70E740481C1C}">
-                <a14:useLocalDpi xmlns:a14="http://schemas.microsoft.com/office/drawing/2010/main" val="0"/>
+                <a14:useLocalDpi xmlns:a14="http://schemas.microsoft.com/office/drawing/2010/main" xmlns="" val="0"/>
               </a:ext>
             </a:extLst>
           </a:blip>
@@ -13884,7 +13962,7 @@
           <a:noFill/>
           <a:extLst>
             <a:ext uri="{909E8E84-426E-40DD-AFC4-6F175D3DCCD1}">
-              <a14:hiddenFill xmlns:a14="http://schemas.microsoft.com/office/drawing/2010/main">
+              <a14:hiddenFill xmlns:a14="http://schemas.microsoft.com/office/drawing/2010/main" xmlns="">
                 <a:solidFill>
                   <a:srgbClr val="FFFFFF"/>
                 </a:solidFill>
@@ -13905,7 +13983,7 @@
           <a:blip r:embed="rId14" cstate="print">
             <a:extLst>
               <a:ext uri="{28A0092B-C50C-407E-A947-70E740481C1C}">
-                <a14:useLocalDpi xmlns:a14="http://schemas.microsoft.com/office/drawing/2010/main" val="0"/>
+                <a14:useLocalDpi xmlns:a14="http://schemas.microsoft.com/office/drawing/2010/main" xmlns="" val="0"/>
               </a:ext>
             </a:extLst>
           </a:blip>
@@ -13925,7 +14003,7 @@
           <a:noFill/>
           <a:extLst>
             <a:ext uri="{909E8E84-426E-40DD-AFC4-6F175D3DCCD1}">
-              <a14:hiddenFill xmlns:a14="http://schemas.microsoft.com/office/drawing/2010/main">
+              <a14:hiddenFill xmlns:a14="http://schemas.microsoft.com/office/drawing/2010/main" xmlns="">
                 <a:solidFill>
                   <a:srgbClr val="FFFFFF"/>
                 </a:solidFill>
@@ -14082,7 +14160,7 @@
             </a:ln>
             <a:extLst>
               <a:ext uri="{91240B29-F687-4F45-9708-019B960494DF}">
-                <a14:hiddenLine xmlns:a14="http://schemas.microsoft.com/office/drawing/2010/main" w="9525">
+                <a14:hiddenLine xmlns:a14="http://schemas.microsoft.com/office/drawing/2010/main" xmlns="" w="9525">
                   <a:solidFill>
                     <a:srgbClr val="000000"/>
                   </a:solidFill>
@@ -14151,7 +14229,7 @@
             </a:ln>
             <a:extLst>
               <a:ext uri="{91240B29-F687-4F45-9708-019B960494DF}">
-                <a14:hiddenLine xmlns:a14="http://schemas.microsoft.com/office/drawing/2010/main" w="9525">
+                <a14:hiddenLine xmlns:a14="http://schemas.microsoft.com/office/drawing/2010/main" xmlns="" w="9525">
                   <a:solidFill>
                     <a:srgbClr val="000000"/>
                   </a:solidFill>
@@ -14210,7 +14288,7 @@
     </p:spTree>
     <p:extLst>
       <p:ext uri="{BB962C8B-B14F-4D97-AF65-F5344CB8AC3E}">
-        <p14:creationId xmlns:p14="http://schemas.microsoft.com/office/powerpoint/2010/main" val="2976567322"/>
+        <p14:creationId xmlns:p14="http://schemas.microsoft.com/office/powerpoint/2010/main" xmlns="" val="2976567322"/>
       </p:ext>
     </p:extLst>
   </p:cSld>
@@ -14625,18 +14703,18 @@
     </p:spTree>
     <p:extLst>
       <p:ext uri="{BB962C8B-B14F-4D97-AF65-F5344CB8AC3E}">
-        <p14:creationId xmlns:p14="http://schemas.microsoft.com/office/powerpoint/2010/main" val="2518692427"/>
+        <p14:creationId xmlns:p14="http://schemas.microsoft.com/office/powerpoint/2010/main" xmlns="" val="2518692427"/>
       </p:ext>
     </p:extLst>
   </p:cSld>
   <p:clrMapOvr>
     <a:masterClrMapping/>
   </p:clrMapOvr>
-  <mc:AlternateContent xmlns:mc="http://schemas.openxmlformats.org/markup-compatibility/2006" xmlns:p14="http://schemas.microsoft.com/office/powerpoint/2010/main">
-    <mc:Choice Requires="p14">
+  <mc:AlternateContent xmlns:mc="http://schemas.openxmlformats.org/markup-compatibility/2006">
+    <mc:Choice xmlns:p14="http://schemas.microsoft.com/office/powerpoint/2010/main" xmlns="" Requires="p14">
       <p:transition spd="slow" p14:dur="2000"/>
     </mc:Choice>
-    <mc:Fallback xmlns="">
+    <mc:Fallback>
       <p:transition spd="slow"/>
     </mc:Fallback>
   </mc:AlternateContent>
@@ -14692,11 +14770,7 @@
             </a:r>
             <a:r>
               <a:rPr lang="fr-FR" dirty="0" smtClean="0"/>
-              <a:t> </a:t>
-            </a:r>
-            <a:r>
-              <a:rPr lang="fr-FR" dirty="0" smtClean="0"/>
-              <a:t>?</a:t>
+              <a:t> ?</a:t>
             </a:r>
             <a:endParaRPr lang="fr-FR" dirty="0"/>
           </a:p>
@@ -14719,11 +14793,7 @@
           <a:p>
             <a:r>
               <a:rPr lang="fr-FR" dirty="0" smtClean="0"/>
-              <a:t>Proposer des établissements  </a:t>
-            </a:r>
-            <a:r>
-              <a:rPr lang="fr-FR" dirty="0" smtClean="0"/>
-              <a:t>en fonction des préférences des utilisateurs</a:t>
+              <a:t>Proposer des établissements  en fonction des préférences des utilisateurs</a:t>
             </a:r>
           </a:p>
           <a:p>
@@ -14732,11 +14802,7 @@
           <a:p>
             <a:r>
               <a:rPr lang="fr-FR" dirty="0" smtClean="0"/>
-              <a:t>Faire connaitre de nouveaux restaurants, bars aux </a:t>
-            </a:r>
-            <a:r>
-              <a:rPr lang="fr-FR" dirty="0" smtClean="0"/>
-              <a:t>montpelliérains</a:t>
+              <a:t>Faire connaitre de nouveaux restaurants, bars aux montpelliérains</a:t>
             </a:r>
           </a:p>
           <a:p>
@@ -14747,7 +14813,6 @@
               <a:rPr lang="fr-FR" dirty="0" smtClean="0"/>
               <a:t>Position des établissements</a:t>
             </a:r>
-            <a:endParaRPr lang="fr-FR" dirty="0" smtClean="0"/>
           </a:p>
           <a:p>
             <a:endParaRPr lang="fr-FR" dirty="0"/>
@@ -14781,7 +14846,7 @@
     </p:spTree>
     <p:extLst>
       <p:ext uri="{BB962C8B-B14F-4D97-AF65-F5344CB8AC3E}">
-        <p14:creationId xmlns:p14="http://schemas.microsoft.com/office/powerpoint/2010/main" val="2429075489"/>
+        <p14:creationId xmlns:p14="http://schemas.microsoft.com/office/powerpoint/2010/main" xmlns="" val="2429075489"/>
       </p:ext>
     </p:extLst>
   </p:cSld>
@@ -14954,7 +15019,11 @@
             </a:pPr>
             <a:r>
               <a:rPr lang="fr-FR" dirty="0" smtClean="0"/>
-              <a:t>Le langage PHP ((</a:t>
+              <a:t>Le langage PHP </a:t>
+            </a:r>
+            <a:r>
+              <a:rPr lang="fr-FR" dirty="0" smtClean="0"/>
+              <a:t>(</a:t>
             </a:r>
             <a:r>
               <a:rPr lang="fr-FR" dirty="0" err="1" smtClean="0"/>
@@ -14970,7 +15039,7 @@
             </a:r>
             <a:r>
               <a:rPr lang="fr-FR" dirty="0" smtClean="0"/>
-              <a:t>): )</a:t>
+              <a:t>)</a:t>
             </a:r>
             <a:endParaRPr lang="fr-FR" dirty="0"/>
           </a:p>
@@ -15003,7 +15072,7 @@
     </p:spTree>
     <p:extLst>
       <p:ext uri="{BB962C8B-B14F-4D97-AF65-F5344CB8AC3E}">
-        <p14:creationId xmlns:p14="http://schemas.microsoft.com/office/powerpoint/2010/main" val="2887763126"/>
+        <p14:creationId xmlns:p14="http://schemas.microsoft.com/office/powerpoint/2010/main" xmlns="" val="2887763126"/>
       </p:ext>
     </p:extLst>
   </p:cSld>
@@ -15076,7 +15145,7 @@
             <p:ph idx="1"/>
             <p:extLst>
               <p:ext uri="{D42A27DB-BD31-4B8C-83A1-F6EECF244321}">
-                <p14:modId xmlns:p14="http://schemas.microsoft.com/office/powerpoint/2010/main" val="1782785431"/>
+                <p14:modId xmlns:p14="http://schemas.microsoft.com/office/powerpoint/2010/main" xmlns="" val="1782785431"/>
               </p:ext>
             </p:extLst>
           </p:nvPr>
@@ -15118,7 +15187,7 @@
     </p:spTree>
     <p:extLst>
       <p:ext uri="{BB962C8B-B14F-4D97-AF65-F5344CB8AC3E}">
-        <p14:creationId xmlns:p14="http://schemas.microsoft.com/office/powerpoint/2010/main" val="1665115037"/>
+        <p14:creationId xmlns:p14="http://schemas.microsoft.com/office/powerpoint/2010/main" xmlns="" val="1665115037"/>
       </p:ext>
     </p:extLst>
   </p:cSld>
@@ -15214,7 +15283,7 @@
     </p:spTree>
     <p:extLst>
       <p:ext uri="{BB962C8B-B14F-4D97-AF65-F5344CB8AC3E}">
-        <p14:creationId xmlns:p14="http://schemas.microsoft.com/office/powerpoint/2010/main" val="1133975967"/>
+        <p14:creationId xmlns:p14="http://schemas.microsoft.com/office/powerpoint/2010/main" xmlns="" val="1133975967"/>
       </p:ext>
     </p:extLst>
   </p:cSld>
@@ -15295,7 +15364,7 @@
           <p:nvPr>
             <p:extLst>
               <p:ext uri="{D42A27DB-BD31-4B8C-83A1-F6EECF244321}">
-                <p14:modId xmlns:p14="http://schemas.microsoft.com/office/powerpoint/2010/main" val="649190884"/>
+                <p14:modId xmlns:p14="http://schemas.microsoft.com/office/powerpoint/2010/main" xmlns="" val="649190884"/>
               </p:ext>
             </p:extLst>
           </p:nvPr>
@@ -15455,7 +15524,7 @@
     </p:spTree>
     <p:extLst>
       <p:ext uri="{BB962C8B-B14F-4D97-AF65-F5344CB8AC3E}">
-        <p14:creationId xmlns:p14="http://schemas.microsoft.com/office/powerpoint/2010/main" val="2062843004"/>
+        <p14:creationId xmlns:p14="http://schemas.microsoft.com/office/powerpoint/2010/main" xmlns="" val="2062843004"/>
       </p:ext>
     </p:extLst>
   </p:cSld>
@@ -15562,8 +15631,17 @@
             <a:pPr lvl="1"/>
             <a:r>
               <a:rPr lang="fr-FR" dirty="0" smtClean="0"/>
-              <a:t>Partage des connaissance</a:t>
+              <a:t>Partage </a:t>
             </a:r>
+            <a:r>
+              <a:rPr lang="fr-FR" smtClean="0"/>
+              <a:t>des </a:t>
+            </a:r>
+            <a:r>
+              <a:rPr lang="fr-FR" smtClean="0"/>
+              <a:t>connaissances</a:t>
+            </a:r>
+            <a:endParaRPr lang="fr-FR" dirty="0" smtClean="0"/>
           </a:p>
         </p:txBody>
       </p:sp>
@@ -15854,7 +15932,7 @@
   <a:extraClrSchemeLst/>
   <a:extLst>
     <a:ext uri="{05A4C25C-085E-4340-85A3-A5531E510DB2}">
-      <thm15:themeFamily xmlns:thm15="http://schemas.microsoft.com/office/thememl/2012/main" xmlns="" name="Office Theme" id="{62F939B6-93AF-4DB8-9C6B-D6C7DFDC589F}" vid="{4A3C46E8-61CC-4603-A589-7422A47A8E4A}"/>
+      <thm15:themeFamily xmlns="" xmlns:thm15="http://schemas.microsoft.com/office/thememl/2012/main" name="Office Theme" id="{62F939B6-93AF-4DB8-9C6B-D6C7DFDC589F}" vid="{4A3C46E8-61CC-4603-A589-7422A47A8E4A}"/>
     </a:ext>
   </a:extLst>
 </a:theme>
@@ -16115,7 +16193,7 @@
   <a:extraClrSchemeLst/>
   <a:extLst>
     <a:ext uri="{05A4C25C-085E-4340-85A3-A5531E510DB2}">
-      <thm15:themeFamily xmlns:thm15="http://schemas.microsoft.com/office/thememl/2012/main" xmlns="" name="Office Theme" id="{62F939B6-93AF-4DB8-9C6B-D6C7DFDC589F}" vid="{4A3C46E8-61CC-4603-A589-7422A47A8E4A}"/>
+      <thm15:themeFamily xmlns="" xmlns:thm15="http://schemas.microsoft.com/office/thememl/2012/main" name="Office Theme" id="{62F939B6-93AF-4DB8-9C6B-D6C7DFDC589F}" vid="{4A3C46E8-61CC-4603-A589-7422A47A8E4A}"/>
     </a:ext>
   </a:extLst>
 </a:theme>
@@ -16376,7 +16454,7 @@
   <a:extraClrSchemeLst/>
   <a:extLst>
     <a:ext uri="{05A4C25C-085E-4340-85A3-A5531E510DB2}">
-      <thm15:themeFamily xmlns:thm15="http://schemas.microsoft.com/office/thememl/2012/main" xmlns="" name="Office Theme" id="{62F939B6-93AF-4DB8-9C6B-D6C7DFDC589F}" vid="{4A3C46E8-61CC-4603-A589-7422A47A8E4A}"/>
+      <thm15:themeFamily xmlns="" xmlns:thm15="http://schemas.microsoft.com/office/thememl/2012/main" name="Office Theme" id="{62F939B6-93AF-4DB8-9C6B-D6C7DFDC589F}" vid="{4A3C46E8-61CC-4603-A589-7422A47A8E4A}"/>
     </a:ext>
   </a:extLst>
 </a:theme>
